--- a/techtalk/CloudDNS-TechTalk-4-TechnicalIssues.pptx
+++ b/techtalk/CloudDNS-TechTalk-4-TechnicalIssues.pptx
@@ -237,7 +237,7 @@
             <a:fld id="{024717CF-9968-0D4D-9FC4-597B2E56B041}" type="datetimeFigureOut">
               <a:rPr lang="en-US" smtClean="0"/>
               <a:pPr/>
-              <a:t>10/24/11</a:t>
+              <a:t>10/25/11</a:t>
             </a:fld>
             <a:endParaRPr lang="en-US" dirty="0"/>
           </a:p>
@@ -405,7 +405,7 @@
             <a:fld id="{E59A0190-259B-884B-986E-E78E91DEEBF9}" type="datetimeFigureOut">
               <a:rPr lang="en-US" smtClean="0"/>
               <a:pPr/>
-              <a:t>10/24/11</a:t>
+              <a:t>10/25/11</a:t>
             </a:fld>
             <a:endParaRPr lang="en-US" dirty="0"/>
           </a:p>
@@ -718,126 +718,6 @@
         <p:txBody>
           <a:bodyPr/>
           <a:lstStyle/>
-          <a:p>
-            <a:r>
-              <a:rPr lang="en-US" dirty="0" smtClean="0"/>
-              <a:t>During this presentation we will cover </a:t>
-            </a:r>
-          </a:p>
-          <a:p>
-            <a:endParaRPr lang="en-US" dirty="0" smtClean="0"/>
-          </a:p>
-          <a:p>
-            <a:pPr marL="457200" indent="-457200">
-              <a:buFont typeface="Arial"/>
-              <a:buChar char="•"/>
-            </a:pPr>
-            <a:r>
-              <a:rPr lang="en-US" dirty="0" smtClean="0"/>
-              <a:t>What is Cloud DNS?</a:t>
-            </a:r>
-          </a:p>
-          <a:p>
-            <a:pPr marL="457200" indent="-457200">
-              <a:buFont typeface="Arial"/>
-              <a:buChar char="•"/>
-            </a:pPr>
-            <a:endParaRPr lang="en-US" dirty="0" smtClean="0"/>
-          </a:p>
-          <a:p>
-            <a:pPr marL="457200" indent="-457200">
-              <a:buFont typeface="Arial"/>
-              <a:buChar char="•"/>
-            </a:pPr>
-            <a:r>
-              <a:rPr lang="en-US" dirty="0" smtClean="0"/>
-              <a:t>What new features and benefits are we offering customers?</a:t>
-            </a:r>
-          </a:p>
-          <a:p>
-            <a:pPr marL="457200" indent="-457200">
-              <a:buFont typeface="Arial"/>
-              <a:buChar char="•"/>
-            </a:pPr>
-            <a:endParaRPr lang="en-US" dirty="0" smtClean="0"/>
-          </a:p>
-          <a:p>
-            <a:pPr marL="457200" indent="-457200">
-              <a:buFont typeface="Arial"/>
-              <a:buChar char="•"/>
-            </a:pPr>
-            <a:r>
-              <a:rPr lang="en-US" dirty="0" smtClean="0"/>
-              <a:t>Who is this for?</a:t>
-            </a:r>
-          </a:p>
-          <a:p>
-            <a:pPr marL="457200" indent="-457200">
-              <a:buFont typeface="Arial"/>
-              <a:buChar char="•"/>
-            </a:pPr>
-            <a:endParaRPr lang="en-US" dirty="0" smtClean="0"/>
-          </a:p>
-          <a:p>
-            <a:pPr marL="457200" indent="-457200">
-              <a:buFont typeface="Arial"/>
-              <a:buChar char="•"/>
-            </a:pPr>
-            <a:r>
-              <a:rPr lang="en-US" dirty="0" smtClean="0"/>
-              <a:t>When does it launch?</a:t>
-            </a:r>
-          </a:p>
-          <a:p>
-            <a:pPr marL="457200" indent="-457200">
-              <a:buFont typeface="Arial"/>
-              <a:buChar char="•"/>
-            </a:pPr>
-            <a:endParaRPr lang="en-US" dirty="0" smtClean="0"/>
-          </a:p>
-          <a:p>
-            <a:pPr marL="457200" indent="-457200">
-              <a:buFont typeface="Arial"/>
-              <a:buChar char="•"/>
-            </a:pPr>
-            <a:r>
-              <a:rPr lang="en-US" dirty="0" smtClean="0"/>
-              <a:t>How much does it cost?</a:t>
-            </a:r>
-          </a:p>
-          <a:p>
-            <a:pPr marL="457200" indent="-457200">
-              <a:buFont typeface="Arial"/>
-              <a:buChar char="•"/>
-            </a:pPr>
-            <a:endParaRPr lang="en-US" dirty="0" smtClean="0"/>
-          </a:p>
-          <a:p>
-            <a:pPr marL="457200" indent="-457200">
-              <a:buFont typeface="Arial"/>
-              <a:buChar char="•"/>
-            </a:pPr>
-            <a:r>
-              <a:rPr lang="en-US" dirty="0" smtClean="0"/>
-              <a:t>How does my customer get it?</a:t>
-            </a:r>
-          </a:p>
-          <a:p>
-            <a:pPr marL="0" indent="0">
-              <a:buNone/>
-            </a:pPr>
-            <a:endParaRPr lang="en-US" dirty="0" smtClean="0"/>
-          </a:p>
-          <a:p>
-            <a:pPr marL="457200" indent="-457200">
-              <a:buFont typeface="Arial"/>
-              <a:buChar char="•"/>
-            </a:pPr>
-            <a:r>
-              <a:rPr lang="en-US" dirty="0" smtClean="0"/>
-              <a:t>Who do I contact for questions?</a:t>
-            </a:r>
-          </a:p>
           <a:p>
             <a:endParaRPr lang="en-US" dirty="0"/>
           </a:p>

--- a/techtalk/CloudDNS-TechTalk-4-TechnicalIssues.pptx
+++ b/techtalk/CloudDNS-TechTalk-4-TechnicalIssues.pptx
@@ -5,15 +5,16 @@
     <p:sldMasterId id="2147483649" r:id="rId4"/>
   </p:sldMasterIdLst>
   <p:notesMasterIdLst>
-    <p:notesMasterId r:id="rId8"/>
+    <p:notesMasterId r:id="rId9"/>
   </p:notesMasterIdLst>
   <p:handoutMasterIdLst>
-    <p:handoutMasterId r:id="rId9"/>
+    <p:handoutMasterId r:id="rId10"/>
   </p:handoutMasterIdLst>
   <p:sldIdLst>
     <p:sldId id="280" r:id="rId5"/>
-    <p:sldId id="281" r:id="rId6"/>
-    <p:sldId id="282" r:id="rId7"/>
+    <p:sldId id="283" r:id="rId6"/>
+    <p:sldId id="284" r:id="rId7"/>
+    <p:sldId id="285" r:id="rId8"/>
   </p:sldIdLst>
   <p:sldSz cx="9144000" cy="6858000" type="screen4x3"/>
   <p:notesSz cx="6858000" cy="9144000"/>
@@ -237,7 +238,7 @@
             <a:fld id="{024717CF-9968-0D4D-9FC4-597B2E56B041}" type="datetimeFigureOut">
               <a:rPr lang="en-US" smtClean="0"/>
               <a:pPr/>
-              <a:t>10/25/11</a:t>
+              <a:t>10/26/11</a:t>
             </a:fld>
             <a:endParaRPr lang="en-US" dirty="0"/>
           </a:p>
@@ -405,7 +406,7 @@
             <a:fld id="{E59A0190-259B-884B-986E-E78E91DEEBF9}" type="datetimeFigureOut">
               <a:rPr lang="en-US" smtClean="0"/>
               <a:pPr/>
-              <a:t>10/25/11</a:t>
+              <a:t>10/26/11</a:t>
             </a:fld>
             <a:endParaRPr lang="en-US" dirty="0"/>
           </a:p>
@@ -804,126 +805,6 @@
           <a:bodyPr/>
           <a:lstStyle/>
           <a:p>
-            <a:r>
-              <a:rPr lang="en-US" dirty="0" smtClean="0"/>
-              <a:t>During this presentation we will cover </a:t>
-            </a:r>
-          </a:p>
-          <a:p>
-            <a:endParaRPr lang="en-US" dirty="0" smtClean="0"/>
-          </a:p>
-          <a:p>
-            <a:pPr marL="457200" indent="-457200">
-              <a:buFont typeface="Arial"/>
-              <a:buChar char="•"/>
-            </a:pPr>
-            <a:r>
-              <a:rPr lang="en-US" dirty="0" smtClean="0"/>
-              <a:t>What is Cloud DNS?</a:t>
-            </a:r>
-          </a:p>
-          <a:p>
-            <a:pPr marL="457200" indent="-457200">
-              <a:buFont typeface="Arial"/>
-              <a:buChar char="•"/>
-            </a:pPr>
-            <a:endParaRPr lang="en-US" dirty="0" smtClean="0"/>
-          </a:p>
-          <a:p>
-            <a:pPr marL="457200" indent="-457200">
-              <a:buFont typeface="Arial"/>
-              <a:buChar char="•"/>
-            </a:pPr>
-            <a:r>
-              <a:rPr lang="en-US" dirty="0" smtClean="0"/>
-              <a:t>What new features and benefits are we offering customers?</a:t>
-            </a:r>
-          </a:p>
-          <a:p>
-            <a:pPr marL="457200" indent="-457200">
-              <a:buFont typeface="Arial"/>
-              <a:buChar char="•"/>
-            </a:pPr>
-            <a:endParaRPr lang="en-US" dirty="0" smtClean="0"/>
-          </a:p>
-          <a:p>
-            <a:pPr marL="457200" indent="-457200">
-              <a:buFont typeface="Arial"/>
-              <a:buChar char="•"/>
-            </a:pPr>
-            <a:r>
-              <a:rPr lang="en-US" dirty="0" smtClean="0"/>
-              <a:t>Who is this for?</a:t>
-            </a:r>
-          </a:p>
-          <a:p>
-            <a:pPr marL="457200" indent="-457200">
-              <a:buFont typeface="Arial"/>
-              <a:buChar char="•"/>
-            </a:pPr>
-            <a:endParaRPr lang="en-US" dirty="0" smtClean="0"/>
-          </a:p>
-          <a:p>
-            <a:pPr marL="457200" indent="-457200">
-              <a:buFont typeface="Arial"/>
-              <a:buChar char="•"/>
-            </a:pPr>
-            <a:r>
-              <a:rPr lang="en-US" dirty="0" smtClean="0"/>
-              <a:t>When does it launch?</a:t>
-            </a:r>
-          </a:p>
-          <a:p>
-            <a:pPr marL="457200" indent="-457200">
-              <a:buFont typeface="Arial"/>
-              <a:buChar char="•"/>
-            </a:pPr>
-            <a:endParaRPr lang="en-US" dirty="0" smtClean="0"/>
-          </a:p>
-          <a:p>
-            <a:pPr marL="457200" indent="-457200">
-              <a:buFont typeface="Arial"/>
-              <a:buChar char="•"/>
-            </a:pPr>
-            <a:r>
-              <a:rPr lang="en-US" dirty="0" smtClean="0"/>
-              <a:t>How much does it cost?</a:t>
-            </a:r>
-          </a:p>
-          <a:p>
-            <a:pPr marL="457200" indent="-457200">
-              <a:buFont typeface="Arial"/>
-              <a:buChar char="•"/>
-            </a:pPr>
-            <a:endParaRPr lang="en-US" dirty="0" smtClean="0"/>
-          </a:p>
-          <a:p>
-            <a:pPr marL="457200" indent="-457200">
-              <a:buFont typeface="Arial"/>
-              <a:buChar char="•"/>
-            </a:pPr>
-            <a:r>
-              <a:rPr lang="en-US" dirty="0" smtClean="0"/>
-              <a:t>How does my customer get it?</a:t>
-            </a:r>
-          </a:p>
-          <a:p>
-            <a:pPr marL="0" indent="0">
-              <a:buNone/>
-            </a:pPr>
-            <a:endParaRPr lang="en-US" dirty="0" smtClean="0"/>
-          </a:p>
-          <a:p>
-            <a:pPr marL="457200" indent="-457200">
-              <a:buFont typeface="Arial"/>
-              <a:buChar char="•"/>
-            </a:pPr>
-            <a:r>
-              <a:rPr lang="en-US" dirty="0" smtClean="0"/>
-              <a:t>Who do I contact for questions?</a:t>
-            </a:r>
-          </a:p>
-          <a:p>
             <a:endParaRPr lang="en-US" dirty="0"/>
           </a:p>
         </p:txBody>
@@ -1009,126 +890,6 @@
           <a:bodyPr/>
           <a:lstStyle/>
           <a:p>
-            <a:r>
-              <a:rPr lang="en-US" dirty="0" smtClean="0"/>
-              <a:t>During this presentation we will cover </a:t>
-            </a:r>
-          </a:p>
-          <a:p>
-            <a:endParaRPr lang="en-US" dirty="0" smtClean="0"/>
-          </a:p>
-          <a:p>
-            <a:pPr marL="457200" indent="-457200">
-              <a:buFont typeface="Arial"/>
-              <a:buChar char="•"/>
-            </a:pPr>
-            <a:r>
-              <a:rPr lang="en-US" dirty="0" smtClean="0"/>
-              <a:t>What is Cloud DNS?</a:t>
-            </a:r>
-          </a:p>
-          <a:p>
-            <a:pPr marL="457200" indent="-457200">
-              <a:buFont typeface="Arial"/>
-              <a:buChar char="•"/>
-            </a:pPr>
-            <a:endParaRPr lang="en-US" dirty="0" smtClean="0"/>
-          </a:p>
-          <a:p>
-            <a:pPr marL="457200" indent="-457200">
-              <a:buFont typeface="Arial"/>
-              <a:buChar char="•"/>
-            </a:pPr>
-            <a:r>
-              <a:rPr lang="en-US" dirty="0" smtClean="0"/>
-              <a:t>What new features and benefits are we offering customers?</a:t>
-            </a:r>
-          </a:p>
-          <a:p>
-            <a:pPr marL="457200" indent="-457200">
-              <a:buFont typeface="Arial"/>
-              <a:buChar char="•"/>
-            </a:pPr>
-            <a:endParaRPr lang="en-US" dirty="0" smtClean="0"/>
-          </a:p>
-          <a:p>
-            <a:pPr marL="457200" indent="-457200">
-              <a:buFont typeface="Arial"/>
-              <a:buChar char="•"/>
-            </a:pPr>
-            <a:r>
-              <a:rPr lang="en-US" dirty="0" smtClean="0"/>
-              <a:t>Who is this for?</a:t>
-            </a:r>
-          </a:p>
-          <a:p>
-            <a:pPr marL="457200" indent="-457200">
-              <a:buFont typeface="Arial"/>
-              <a:buChar char="•"/>
-            </a:pPr>
-            <a:endParaRPr lang="en-US" dirty="0" smtClean="0"/>
-          </a:p>
-          <a:p>
-            <a:pPr marL="457200" indent="-457200">
-              <a:buFont typeface="Arial"/>
-              <a:buChar char="•"/>
-            </a:pPr>
-            <a:r>
-              <a:rPr lang="en-US" dirty="0" smtClean="0"/>
-              <a:t>When does it launch?</a:t>
-            </a:r>
-          </a:p>
-          <a:p>
-            <a:pPr marL="457200" indent="-457200">
-              <a:buFont typeface="Arial"/>
-              <a:buChar char="•"/>
-            </a:pPr>
-            <a:endParaRPr lang="en-US" dirty="0" smtClean="0"/>
-          </a:p>
-          <a:p>
-            <a:pPr marL="457200" indent="-457200">
-              <a:buFont typeface="Arial"/>
-              <a:buChar char="•"/>
-            </a:pPr>
-            <a:r>
-              <a:rPr lang="en-US" dirty="0" smtClean="0"/>
-              <a:t>How much does it cost?</a:t>
-            </a:r>
-          </a:p>
-          <a:p>
-            <a:pPr marL="457200" indent="-457200">
-              <a:buFont typeface="Arial"/>
-              <a:buChar char="•"/>
-            </a:pPr>
-            <a:endParaRPr lang="en-US" dirty="0" smtClean="0"/>
-          </a:p>
-          <a:p>
-            <a:pPr marL="457200" indent="-457200">
-              <a:buFont typeface="Arial"/>
-              <a:buChar char="•"/>
-            </a:pPr>
-            <a:r>
-              <a:rPr lang="en-US" dirty="0" smtClean="0"/>
-              <a:t>How does my customer get it?</a:t>
-            </a:r>
-          </a:p>
-          <a:p>
-            <a:pPr marL="0" indent="0">
-              <a:buNone/>
-            </a:pPr>
-            <a:endParaRPr lang="en-US" dirty="0" smtClean="0"/>
-          </a:p>
-          <a:p>
-            <a:pPr marL="457200" indent="-457200">
-              <a:buFont typeface="Arial"/>
-              <a:buChar char="•"/>
-            </a:pPr>
-            <a:r>
-              <a:rPr lang="en-US" dirty="0" smtClean="0"/>
-              <a:t>Who do I contact for questions?</a:t>
-            </a:r>
-          </a:p>
-          <a:p>
             <a:endParaRPr lang="en-US" dirty="0"/>
           </a:p>
         </p:txBody>
@@ -1152,6 +913,91 @@
               <a:rPr lang="en-US" smtClean="0"/>
               <a:pPr/>
               <a:t>3</a:t>
+            </a:fld>
+            <a:endParaRPr lang="en-US" dirty="0"/>
+          </a:p>
+        </p:txBody>
+      </p:sp>
+    </p:spTree>
+    <p:extLst>
+      <p:ext uri="{BB962C8B-B14F-4D97-AF65-F5344CB8AC3E}">
+        <p14:creationId xmlns:p14="http://schemas.microsoft.com/office/powerpoint/2010/main" val="662730505"/>
+      </p:ext>
+    </p:extLst>
+  </p:cSld>
+  <p:clrMapOvr>
+    <a:masterClrMapping/>
+  </p:clrMapOvr>
+</p:notes>
+</file>
+
+<file path=ppt/notesSlides/notesSlide4.xml><?xml version="1.0" encoding="utf-8"?>
+<p:notes xmlns:a="http://schemas.openxmlformats.org/drawingml/2006/main" xmlns:r="http://schemas.openxmlformats.org/officeDocument/2006/relationships" xmlns:p="http://schemas.openxmlformats.org/presentationml/2006/main">
+  <p:cSld>
+    <p:spTree>
+      <p:nvGrpSpPr>
+        <p:cNvPr id="1" name=""/>
+        <p:cNvGrpSpPr/>
+        <p:nvPr/>
+      </p:nvGrpSpPr>
+      <p:grpSpPr>
+        <a:xfrm>
+          <a:off x="0" y="0"/>
+          <a:ext cx="0" cy="0"/>
+          <a:chOff x="0" y="0"/>
+          <a:chExt cx="0" cy="0"/>
+        </a:xfrm>
+      </p:grpSpPr>
+      <p:sp>
+        <p:nvSpPr>
+          <p:cNvPr id="2" name="Slide Image Placeholder 1"/>
+          <p:cNvSpPr>
+            <a:spLocks noGrp="1" noRot="1" noChangeAspect="1"/>
+          </p:cNvSpPr>
+          <p:nvPr>
+            <p:ph type="sldImg"/>
+          </p:nvPr>
+        </p:nvSpPr>
+        <p:spPr/>
+      </p:sp>
+      <p:sp>
+        <p:nvSpPr>
+          <p:cNvPr id="3" name="Notes Placeholder 2"/>
+          <p:cNvSpPr>
+            <a:spLocks noGrp="1"/>
+          </p:cNvSpPr>
+          <p:nvPr>
+            <p:ph type="body" idx="1"/>
+          </p:nvPr>
+        </p:nvSpPr>
+        <p:spPr/>
+        <p:txBody>
+          <a:bodyPr/>
+          <a:lstStyle/>
+          <a:p>
+            <a:endParaRPr lang="en-US" dirty="0"/>
+          </a:p>
+        </p:txBody>
+      </p:sp>
+      <p:sp>
+        <p:nvSpPr>
+          <p:cNvPr id="4" name="Slide Number Placeholder 3"/>
+          <p:cNvSpPr>
+            <a:spLocks noGrp="1"/>
+          </p:cNvSpPr>
+          <p:nvPr>
+            <p:ph type="sldNum" sz="quarter" idx="10"/>
+          </p:nvPr>
+        </p:nvSpPr>
+        <p:spPr/>
+        <p:txBody>
+          <a:bodyPr/>
+          <a:lstStyle/>
+          <a:p>
+            <a:fld id="{A5E8145B-E57F-7042-809D-EFEA36287416}" type="slidenum">
+              <a:rPr lang="en-US" smtClean="0"/>
+              <a:pPr/>
+              <a:t>4</a:t>
             </a:fld>
             <a:endParaRPr lang="en-US" dirty="0"/>
           </a:p>
@@ -4275,51 +4121,45 @@
             </a:pPr>
             <a:r>
               <a:rPr lang="en-US" dirty="0" smtClean="0"/>
-              <a:t>Dependence on other systems and caching</a:t>
-            </a:r>
-          </a:p>
-          <a:p>
-            <a:pPr marL="457200" indent="-457200">
-              <a:buFont typeface="Arial"/>
-              <a:buChar char="•"/>
-            </a:pPr>
-            <a:r>
-              <a:rPr lang="en-US" dirty="0" err="1" smtClean="0"/>
-              <a:t>PowerAPI</a:t>
-            </a:r>
-            <a:r>
-              <a:rPr lang="en-US" dirty="0" smtClean="0"/>
-              <a:t> Integration</a:t>
-            </a:r>
-          </a:p>
-          <a:p>
-            <a:pPr marL="457200" indent="-457200">
-              <a:buFont typeface="Arial"/>
-              <a:buChar char="•"/>
-            </a:pPr>
+              <a:t>Dependence on other systems and </a:t>
+            </a:r>
+            <a:r>
+              <a:rPr lang="en-US" dirty="0" smtClean="0"/>
+              <a:t>caching</a:t>
+            </a:r>
+          </a:p>
+          <a:p>
+            <a:pPr marL="819150" lvl="1" indent="-457200"/>
+            <a:r>
+              <a:rPr lang="en-US" dirty="0" smtClean="0"/>
+              <a:t> dependence on other services necessitated some caching </a:t>
+            </a:r>
+          </a:p>
+          <a:p>
+            <a:pPr marL="819150" lvl="1" indent="-457200"/>
+            <a:r>
+              <a:rPr lang="en-US" dirty="0" smtClean="0"/>
+              <a:t>How long to keep cache(s)?</a:t>
+            </a:r>
+          </a:p>
+          <a:p>
+            <a:pPr marL="1219200" lvl="2" indent="-457200"/>
             <a:r>
               <a:rPr lang="en-US" dirty="0" err="1" smtClean="0"/>
               <a:t>Auth</a:t>
             </a:r>
-            <a:r>
-              <a:rPr lang="en-US" dirty="0" smtClean="0"/>
-              <a:t> Integration (1.0 and 1.1)</a:t>
-            </a:r>
-          </a:p>
-          <a:p>
-            <a:pPr marL="457200" indent="-457200">
-              <a:buFont typeface="Arial"/>
-              <a:buChar char="•"/>
-            </a:pPr>
-            <a:r>
-              <a:rPr lang="en-US" dirty="0" smtClean="0"/>
-              <a:t>Performance and User Experience</a:t>
-            </a:r>
-          </a:p>
-          <a:p>
-            <a:pPr marL="457200" indent="-457200">
-              <a:buFont typeface="Arial"/>
-              <a:buChar char="•"/>
+            <a:endParaRPr lang="en-US" dirty="0" smtClean="0"/>
+          </a:p>
+          <a:p>
+            <a:pPr marL="1219200" lvl="2" indent="-457200"/>
+            <a:r>
+              <a:rPr lang="en-US" dirty="0" smtClean="0"/>
+              <a:t>Account Service (DDI/EU) relationships</a:t>
+            </a:r>
+          </a:p>
+          <a:p>
+            <a:pPr marL="0" indent="0">
+              <a:buNone/>
             </a:pPr>
             <a:endParaRPr lang="en-US" dirty="0"/>
           </a:p>
@@ -4421,7 +4261,11 @@
           <a:p>
             <a:r>
               <a:rPr lang="en-US" dirty="0" smtClean="0"/>
-              <a:t>INTERESTING TECHNICAL ISSUES (cont’d)</a:t>
+              <a:t>INTERESTING TECHNICAL </a:t>
+            </a:r>
+            <a:r>
+              <a:rPr lang="en-US" dirty="0" smtClean="0"/>
+              <a:t>ISSUES (cont’d)</a:t>
             </a:r>
             <a:endParaRPr lang="en-US" dirty="0"/>
           </a:p>
@@ -4448,18 +4292,106 @@
               <a:buFont typeface="Arial"/>
               <a:buChar char="•"/>
             </a:pPr>
+            <a:r>
+              <a:rPr lang="en-US" dirty="0" err="1" smtClean="0"/>
+              <a:t>PowerAPI</a:t>
+            </a:r>
+            <a:r>
+              <a:rPr lang="en-US" dirty="0" smtClean="0"/>
+              <a:t> Integration</a:t>
+            </a:r>
             <a:endParaRPr lang="en-US" dirty="0"/>
           </a:p>
           <a:p>
-            <a:pPr marL="0" indent="0">
-              <a:buNone/>
-            </a:pPr>
-            <a:endParaRPr lang="en-US" dirty="0"/>
-          </a:p>
-          <a:p>
-            <a:pPr marL="0" indent="0">
-              <a:buNone/>
-            </a:pPr>
+            <a:pPr lvl="1"/>
+            <a:r>
+              <a:rPr lang="en-US" dirty="0" smtClean="0"/>
+              <a:t>We </a:t>
+            </a:r>
+            <a:r>
+              <a:rPr lang="en-US" dirty="0" err="1" smtClean="0"/>
+              <a:t>embeded</a:t>
+            </a:r>
+            <a:r>
+              <a:rPr lang="en-US" dirty="0" smtClean="0"/>
+              <a:t> </a:t>
+            </a:r>
+            <a:r>
+              <a:rPr lang="en-US" dirty="0" err="1" smtClean="0"/>
+              <a:t>PowerAPI</a:t>
+            </a:r>
+            <a:r>
+              <a:rPr lang="en-US" dirty="0" smtClean="0"/>
+              <a:t> code into DNS Rate limiting code</a:t>
+            </a:r>
+          </a:p>
+          <a:p>
+            <a:pPr lvl="2"/>
+            <a:r>
+              <a:rPr lang="en-US" dirty="0" smtClean="0"/>
+              <a:t>Originally refactored </a:t>
+            </a:r>
+            <a:r>
+              <a:rPr lang="en-US" dirty="0" err="1" smtClean="0"/>
+              <a:t>PowerAPI</a:t>
+            </a:r>
+            <a:r>
+              <a:rPr lang="en-US" dirty="0" smtClean="0"/>
+              <a:t> filters as CXF filters</a:t>
+            </a:r>
+          </a:p>
+          <a:p>
+            <a:pPr lvl="3"/>
+            <a:r>
+              <a:rPr lang="en-US" dirty="0" smtClean="0"/>
+              <a:t>Running in the Apache CXF layer</a:t>
+            </a:r>
+          </a:p>
+          <a:p>
+            <a:pPr lvl="2"/>
+            <a:r>
+              <a:rPr lang="en-US" dirty="0" smtClean="0"/>
+              <a:t>With </a:t>
+            </a:r>
+            <a:r>
+              <a:rPr lang="en-US" dirty="0" err="1" smtClean="0"/>
+              <a:t>PowerAPI</a:t>
+            </a:r>
+            <a:r>
+              <a:rPr lang="en-US" dirty="0" smtClean="0"/>
+              <a:t> release 0.9 and Repose, CXF approach was no longer applicable</a:t>
+            </a:r>
+          </a:p>
+          <a:p>
+            <a:pPr lvl="3"/>
+            <a:r>
+              <a:rPr lang="en-US" dirty="0" smtClean="0"/>
+              <a:t>Added jetty handlers to create appropriate context for </a:t>
+            </a:r>
+            <a:r>
+              <a:rPr lang="en-US" dirty="0" err="1" smtClean="0"/>
+              <a:t>PowerAPI</a:t>
+            </a:r>
+            <a:endParaRPr lang="en-US" dirty="0" smtClean="0"/>
+          </a:p>
+          <a:p>
+            <a:pPr lvl="3"/>
+            <a:r>
+              <a:rPr lang="en-US" dirty="0" smtClean="0"/>
+              <a:t>Used jetty handlers to “mock” filter chain required by </a:t>
+            </a:r>
+            <a:r>
+              <a:rPr lang="en-US" dirty="0" err="1"/>
+              <a:t>P</a:t>
+            </a:r>
+            <a:r>
+              <a:rPr lang="en-US" dirty="0" err="1" smtClean="0"/>
+              <a:t>owerAPI</a:t>
+            </a:r>
+            <a:r>
+              <a:rPr lang="en-US" dirty="0" smtClean="0"/>
+              <a:t> servlet filters</a:t>
+            </a:r>
             <a:endParaRPr lang="en-US" dirty="0"/>
           </a:p>
         </p:txBody>
@@ -4496,7 +4428,7 @@
     </p:spTree>
     <p:extLst>
       <p:ext uri="{BB962C8B-B14F-4D97-AF65-F5344CB8AC3E}">
-        <p14:creationId xmlns:p14="http://schemas.microsoft.com/office/powerpoint/2010/main" val="1208729166"/>
+        <p14:creationId xmlns:p14="http://schemas.microsoft.com/office/powerpoint/2010/main" val="1211163191"/>
       </p:ext>
     </p:extLst>
   </p:cSld>
@@ -4548,7 +4480,11 @@
           <a:p>
             <a:r>
               <a:rPr lang="en-US" dirty="0" smtClean="0"/>
-              <a:t>INTERESTING TECHNICAL ISSUES (cont’d)</a:t>
+              <a:t>INTERESTING TECHNICAL </a:t>
+            </a:r>
+            <a:r>
+              <a:rPr lang="en-US" dirty="0" smtClean="0"/>
+              <a:t>ISSUES (cont’d)</a:t>
             </a:r>
             <a:endParaRPr lang="en-US" dirty="0"/>
           </a:p>
@@ -4575,6 +4511,90 @@
               <a:buFont typeface="Arial"/>
               <a:buChar char="•"/>
             </a:pPr>
+            <a:r>
+              <a:rPr lang="en-US" dirty="0" err="1"/>
+              <a:t>Auth</a:t>
+            </a:r>
+            <a:r>
+              <a:rPr lang="en-US" dirty="0"/>
+              <a:t> Integration (1.0 and 1.1)</a:t>
+            </a:r>
+          </a:p>
+          <a:p>
+            <a:pPr marL="819150" lvl="1" indent="-457200"/>
+            <a:r>
+              <a:rPr lang="en-US" dirty="0" smtClean="0"/>
+              <a:t> </a:t>
+            </a:r>
+            <a:r>
+              <a:rPr lang="en-US" dirty="0" smtClean="0"/>
+              <a:t>Auth1.0 Integration was more challenging</a:t>
+            </a:r>
+          </a:p>
+          <a:p>
+            <a:pPr marL="1219200" lvl="2" indent="-457200"/>
+            <a:r>
+              <a:rPr lang="en-US" dirty="0" err="1" smtClean="0"/>
+              <a:t>Xmlrpc</a:t>
+            </a:r>
+            <a:endParaRPr lang="en-US" dirty="0" smtClean="0"/>
+          </a:p>
+          <a:p>
+            <a:pPr marL="1219200" lvl="2" indent="-457200"/>
+            <a:r>
+              <a:rPr lang="en-US" dirty="0" smtClean="0"/>
+              <a:t>We get </a:t>
+            </a:r>
+            <a:r>
+              <a:rPr lang="en-US" dirty="0" err="1" smtClean="0"/>
+              <a:t>Auth</a:t>
+            </a:r>
+            <a:r>
+              <a:rPr lang="en-US" dirty="0" smtClean="0"/>
+              <a:t> token from </a:t>
+            </a:r>
+            <a:r>
+              <a:rPr lang="en-US" dirty="0" err="1" smtClean="0"/>
+              <a:t>Auth</a:t>
+            </a:r>
+            <a:r>
+              <a:rPr lang="en-US" dirty="0" smtClean="0"/>
+              <a:t> service and then get the corresponding owner from the </a:t>
+            </a:r>
+            <a:r>
+              <a:rPr lang="en-US" dirty="0" err="1" smtClean="0"/>
+              <a:t>Mosso</a:t>
+            </a:r>
+            <a:r>
+              <a:rPr lang="en-US" dirty="0" smtClean="0"/>
+              <a:t> Service</a:t>
+            </a:r>
+          </a:p>
+          <a:p>
+            <a:pPr marL="819150" lvl="1" indent="-457200"/>
+            <a:r>
+              <a:rPr lang="en-US" dirty="0" err="1" smtClean="0"/>
+              <a:t>Auth</a:t>
+            </a:r>
+            <a:r>
+              <a:rPr lang="en-US" dirty="0" smtClean="0"/>
+              <a:t> 1.1 has more features</a:t>
+            </a:r>
+          </a:p>
+          <a:p>
+            <a:pPr marL="1219200" lvl="2" indent="-457200"/>
+            <a:r>
+              <a:rPr lang="en-US" dirty="0" smtClean="0"/>
+              <a:t>We get owner information as well with the one call to the </a:t>
+            </a:r>
+            <a:r>
+              <a:rPr lang="en-US" dirty="0" err="1" smtClean="0"/>
+              <a:t>Auth</a:t>
+            </a:r>
+            <a:r>
+              <a:rPr lang="en-US" dirty="0" smtClean="0"/>
+              <a:t> 1.1 service</a:t>
+            </a:r>
             <a:endParaRPr lang="en-US" dirty="0"/>
           </a:p>
           <a:p>
@@ -4623,7 +4643,208 @@
     </p:spTree>
     <p:extLst>
       <p:ext uri="{BB962C8B-B14F-4D97-AF65-F5344CB8AC3E}">
-        <p14:creationId xmlns:p14="http://schemas.microsoft.com/office/powerpoint/2010/main" val="3650294011"/>
+        <p14:creationId xmlns:p14="http://schemas.microsoft.com/office/powerpoint/2010/main" val="3260717480"/>
+      </p:ext>
+    </p:extLst>
+  </p:cSld>
+  <p:clrMapOvr>
+    <a:masterClrMapping/>
+  </p:clrMapOvr>
+  <p:transition xmlns:p14="http://schemas.microsoft.com/office/powerpoint/2010/main"/>
+  <p:timing>
+    <p:tnLst>
+      <p:par>
+        <p:cTn xmlns:p14="http://schemas.microsoft.com/office/powerpoint/2010/main" id="1" dur="indefinite" restart="never" nodeType="tmRoot"/>
+      </p:par>
+    </p:tnLst>
+  </p:timing>
+</p:sld>
+</file>
+
+<file path=ppt/slides/slide4.xml><?xml version="1.0" encoding="utf-8"?>
+<p:sld xmlns:a="http://schemas.openxmlformats.org/drawingml/2006/main" xmlns:r="http://schemas.openxmlformats.org/officeDocument/2006/relationships" xmlns:p="http://schemas.openxmlformats.org/presentationml/2006/main">
+  <p:cSld>
+    <p:spTree>
+      <p:nvGrpSpPr>
+        <p:cNvPr id="1" name=""/>
+        <p:cNvGrpSpPr/>
+        <p:nvPr/>
+      </p:nvGrpSpPr>
+      <p:grpSpPr>
+        <a:xfrm>
+          <a:off x="0" y="0"/>
+          <a:ext cx="0" cy="0"/>
+          <a:chOff x="0" y="0"/>
+          <a:chExt cx="0" cy="0"/>
+        </a:xfrm>
+      </p:grpSpPr>
+      <p:sp>
+        <p:nvSpPr>
+          <p:cNvPr id="2" name="Title 1"/>
+          <p:cNvSpPr>
+            <a:spLocks noGrp="1"/>
+          </p:cNvSpPr>
+          <p:nvPr>
+            <p:ph type="title"/>
+          </p:nvPr>
+        </p:nvSpPr>
+        <p:spPr/>
+        <p:txBody>
+          <a:bodyPr/>
+          <a:lstStyle/>
+          <a:p>
+            <a:r>
+              <a:rPr lang="en-US" dirty="0" smtClean="0"/>
+              <a:t>INTERESTING TECHNICAL </a:t>
+            </a:r>
+            <a:r>
+              <a:rPr lang="en-US" dirty="0" smtClean="0"/>
+              <a:t>ISSUES </a:t>
+            </a:r>
+            <a:r>
+              <a:rPr lang="en-US" smtClean="0"/>
+              <a:t>(cont’d)</a:t>
+            </a:r>
+            <a:endParaRPr lang="en-US" dirty="0"/>
+          </a:p>
+        </p:txBody>
+      </p:sp>
+      <p:sp>
+        <p:nvSpPr>
+          <p:cNvPr id="3" name="Content Placeholder 2"/>
+          <p:cNvSpPr>
+            <a:spLocks noGrp="1"/>
+          </p:cNvSpPr>
+          <p:nvPr>
+            <p:ph idx="1"/>
+          </p:nvPr>
+        </p:nvSpPr>
+        <p:spPr/>
+        <p:txBody>
+          <a:bodyPr>
+            <a:normAutofit fontScale="92500" lnSpcReduction="10000"/>
+          </a:bodyPr>
+          <a:lstStyle/>
+          <a:p>
+            <a:pPr marL="457200" indent="-457200">
+              <a:buFont typeface="Arial"/>
+              <a:buChar char="•"/>
+            </a:pPr>
+            <a:r>
+              <a:rPr lang="en-US" dirty="0"/>
+              <a:t>Performance and User Experience</a:t>
+            </a:r>
+          </a:p>
+          <a:p>
+            <a:pPr marL="819150" lvl="1" indent="-457200"/>
+            <a:r>
+              <a:rPr lang="en-US" dirty="0" smtClean="0"/>
+              <a:t> </a:t>
+            </a:r>
+            <a:r>
+              <a:rPr lang="en-US" dirty="0" smtClean="0"/>
+              <a:t>New Relic helped to identify bottleneck areas</a:t>
+            </a:r>
+          </a:p>
+          <a:p>
+            <a:pPr marL="819150" lvl="1" indent="-457200"/>
+            <a:r>
+              <a:rPr lang="en-US" dirty="0" smtClean="0"/>
+              <a:t>“Hand-tracing” further narrowed down to specifics</a:t>
+            </a:r>
+          </a:p>
+          <a:p>
+            <a:pPr marL="1219200" lvl="2" indent="-457200"/>
+            <a:r>
+              <a:rPr lang="en-US" dirty="0" smtClean="0"/>
+              <a:t>Pooling HTTP workers</a:t>
+            </a:r>
+          </a:p>
+          <a:p>
+            <a:pPr marL="1219200" lvl="2" indent="-457200"/>
+            <a:r>
+              <a:rPr lang="en-US" dirty="0" smtClean="0"/>
+              <a:t>Convert from hard-coded HTTP request to CXF client generation and pooling to backend (</a:t>
+            </a:r>
+            <a:r>
+              <a:rPr lang="en-US" dirty="0" err="1" smtClean="0"/>
+              <a:t>Blackbox</a:t>
+            </a:r>
+            <a:r>
+              <a:rPr lang="en-US" dirty="0" smtClean="0"/>
+              <a:t>)</a:t>
+            </a:r>
+          </a:p>
+          <a:p>
+            <a:pPr marL="1219200" lvl="2" indent="-457200"/>
+            <a:r>
+              <a:rPr lang="en-US" dirty="0" smtClean="0"/>
+              <a:t>Convert hard-coded request XML generation to CXF request XML generation</a:t>
+            </a:r>
+          </a:p>
+          <a:p>
+            <a:pPr marL="819150" lvl="1" indent="-457200"/>
+            <a:r>
+              <a:rPr lang="en-US" dirty="0" smtClean="0"/>
+              <a:t>Implemented </a:t>
+            </a:r>
+            <a:r>
+              <a:rPr lang="en-US" dirty="0" err="1" smtClean="0"/>
+              <a:t>Async</a:t>
+            </a:r>
+            <a:r>
+              <a:rPr lang="en-US" dirty="0" smtClean="0"/>
+              <a:t> feature and Status calls to improve user experience on all API calls other than GET calls</a:t>
+            </a:r>
+            <a:endParaRPr lang="en-US" dirty="0"/>
+          </a:p>
+          <a:p>
+            <a:pPr marL="0" indent="0">
+              <a:buNone/>
+            </a:pPr>
+            <a:endParaRPr lang="en-US" dirty="0"/>
+          </a:p>
+          <a:p>
+            <a:pPr marL="0" indent="0">
+              <a:buNone/>
+            </a:pPr>
+            <a:endParaRPr lang="en-US" dirty="0"/>
+          </a:p>
+        </p:txBody>
+      </p:sp>
+      <p:sp>
+        <p:nvSpPr>
+          <p:cNvPr id="4" name="Slide Number Placeholder 3"/>
+          <p:cNvSpPr>
+            <a:spLocks noGrp="1"/>
+          </p:cNvSpPr>
+          <p:nvPr>
+            <p:ph type="sldNum" sz="quarter" idx="10"/>
+          </p:nvPr>
+        </p:nvSpPr>
+        <p:spPr/>
+        <p:txBody>
+          <a:bodyPr/>
+          <a:lstStyle/>
+          <a:p>
+            <a:pPr>
+              <a:defRPr/>
+            </a:pPr>
+            <a:fld id="{884F1976-FC0F-224B-8A7A-A2BF98A1E361}" type="slidenum">
+              <a:rPr lang="en-US" smtClean="0"/>
+              <a:pPr>
+                <a:defRPr/>
+              </a:pPr>
+              <a:t>4</a:t>
+            </a:fld>
+            <a:endParaRPr lang="en-US" dirty="0"/>
+          </a:p>
+        </p:txBody>
+      </p:sp>
+    </p:spTree>
+    <p:extLst>
+      <p:ext uri="{BB962C8B-B14F-4D97-AF65-F5344CB8AC3E}">
+        <p14:creationId xmlns:p14="http://schemas.microsoft.com/office/powerpoint/2010/main" val="3008541743"/>
       </p:ext>
     </p:extLst>
   </p:cSld>
